--- a/gettingStarted_RStudioCloud.pptx
+++ b/gettingStarted_RStudioCloud.pptx
@@ -5,10 +5,11 @@
     <p:sldMasterId id="2147483648" r:id="rId1"/>
   </p:sldMasterIdLst>
   <p:sldIdLst>
-    <p:sldId id="256" r:id="rId2"/>
-    <p:sldId id="257" r:id="rId3"/>
-    <p:sldId id="258" r:id="rId4"/>
-    <p:sldId id="259" r:id="rId5"/>
+    <p:sldId id="260" r:id="rId2"/>
+    <p:sldId id="261" r:id="rId3"/>
+    <p:sldId id="257" r:id="rId4"/>
+    <p:sldId id="258" r:id="rId5"/>
+    <p:sldId id="259" r:id="rId6"/>
   </p:sldIdLst>
   <p:sldSz cx="12192000" cy="6858000"/>
   <p:notesSz cx="6858000" cy="9144000"/>
@@ -107,6 +108,11 @@
       </a:defRPr>
     </a:lvl9pPr>
   </p:defaultTextStyle>
+  <p:extLst>
+    <p:ext uri="{EFAFB233-063F-42B5-8137-9DF3F51BA10A}">
+      <p15:sldGuideLst xmlns:p15="http://schemas.microsoft.com/office/powerpoint/2012/main"/>
+    </p:ext>
+  </p:extLst>
 </p:presentation>
 </file>
 
@@ -241,7 +247,7 @@
           <a:p>
             <a:fld id="{F1C85F51-8B70-40D9-9491-F2FA38A6FE73}" type="datetimeFigureOut">
               <a:rPr lang="en-US" smtClean="0"/>
-              <a:t>11/12/2019</a:t>
+              <a:t>1/15/2020</a:t>
             </a:fld>
             <a:endParaRPr lang="en-US"/>
           </a:p>
@@ -411,7 +417,7 @@
           <a:p>
             <a:fld id="{F1C85F51-8B70-40D9-9491-F2FA38A6FE73}" type="datetimeFigureOut">
               <a:rPr lang="en-US" smtClean="0"/>
-              <a:t>11/12/2019</a:t>
+              <a:t>1/15/2020</a:t>
             </a:fld>
             <a:endParaRPr lang="en-US"/>
           </a:p>
@@ -591,7 +597,7 @@
           <a:p>
             <a:fld id="{F1C85F51-8B70-40D9-9491-F2FA38A6FE73}" type="datetimeFigureOut">
               <a:rPr lang="en-US" smtClean="0"/>
-              <a:t>11/12/2019</a:t>
+              <a:t>1/15/2020</a:t>
             </a:fld>
             <a:endParaRPr lang="en-US"/>
           </a:p>
@@ -761,7 +767,7 @@
           <a:p>
             <a:fld id="{F1C85F51-8B70-40D9-9491-F2FA38A6FE73}" type="datetimeFigureOut">
               <a:rPr lang="en-US" smtClean="0"/>
-              <a:t>11/12/2019</a:t>
+              <a:t>1/15/2020</a:t>
             </a:fld>
             <a:endParaRPr lang="en-US"/>
           </a:p>
@@ -1007,7 +1013,7 @@
           <a:p>
             <a:fld id="{F1C85F51-8B70-40D9-9491-F2FA38A6FE73}" type="datetimeFigureOut">
               <a:rPr lang="en-US" smtClean="0"/>
-              <a:t>11/12/2019</a:t>
+              <a:t>1/15/2020</a:t>
             </a:fld>
             <a:endParaRPr lang="en-US"/>
           </a:p>
@@ -1239,7 +1245,7 @@
           <a:p>
             <a:fld id="{F1C85F51-8B70-40D9-9491-F2FA38A6FE73}" type="datetimeFigureOut">
               <a:rPr lang="en-US" smtClean="0"/>
-              <a:t>11/12/2019</a:t>
+              <a:t>1/15/2020</a:t>
             </a:fld>
             <a:endParaRPr lang="en-US"/>
           </a:p>
@@ -1606,7 +1612,7 @@
           <a:p>
             <a:fld id="{F1C85F51-8B70-40D9-9491-F2FA38A6FE73}" type="datetimeFigureOut">
               <a:rPr lang="en-US" smtClean="0"/>
-              <a:t>11/12/2019</a:t>
+              <a:t>1/15/2020</a:t>
             </a:fld>
             <a:endParaRPr lang="en-US"/>
           </a:p>
@@ -1724,7 +1730,7 @@
           <a:p>
             <a:fld id="{F1C85F51-8B70-40D9-9491-F2FA38A6FE73}" type="datetimeFigureOut">
               <a:rPr lang="en-US" smtClean="0"/>
-              <a:t>11/12/2019</a:t>
+              <a:t>1/15/2020</a:t>
             </a:fld>
             <a:endParaRPr lang="en-US"/>
           </a:p>
@@ -1819,7 +1825,7 @@
           <a:p>
             <a:fld id="{F1C85F51-8B70-40D9-9491-F2FA38A6FE73}" type="datetimeFigureOut">
               <a:rPr lang="en-US" smtClean="0"/>
-              <a:t>11/12/2019</a:t>
+              <a:t>1/15/2020</a:t>
             </a:fld>
             <a:endParaRPr lang="en-US"/>
           </a:p>
@@ -2096,7 +2102,7 @@
           <a:p>
             <a:fld id="{F1C85F51-8B70-40D9-9491-F2FA38A6FE73}" type="datetimeFigureOut">
               <a:rPr lang="en-US" smtClean="0"/>
-              <a:t>11/12/2019</a:t>
+              <a:t>1/15/2020</a:t>
             </a:fld>
             <a:endParaRPr lang="en-US"/>
           </a:p>
@@ -2349,7 +2355,7 @@
           <a:p>
             <a:fld id="{F1C85F51-8B70-40D9-9491-F2FA38A6FE73}" type="datetimeFigureOut">
               <a:rPr lang="en-US" smtClean="0"/>
-              <a:t>11/12/2019</a:t>
+              <a:t>1/15/2020</a:t>
             </a:fld>
             <a:endParaRPr lang="en-US"/>
           </a:p>
@@ -2562,7 +2568,7 @@
           <a:p>
             <a:fld id="{F1C85F51-8B70-40D9-9491-F2FA38A6FE73}" type="datetimeFigureOut">
               <a:rPr lang="en-US" smtClean="0"/>
-              <a:t>11/12/2019</a:t>
+              <a:t>1/15/2020</a:t>
             </a:fld>
             <a:endParaRPr lang="en-US"/>
           </a:p>
@@ -2967,120 +2973,79 @@
           <a:chExt cx="0" cy="0"/>
         </a:xfrm>
       </p:grpSpPr>
-      <p:pic>
-        <p:nvPicPr>
-          <p:cNvPr id="4" name="Picture 3"/>
-          <p:cNvPicPr>
-            <a:picLocks noChangeAspect="1"/>
-          </p:cNvPicPr>
-          <p:nvPr/>
-        </p:nvPicPr>
-        <p:blipFill>
-          <a:blip r:embed="rId2"/>
-          <a:stretch>
-            <a:fillRect/>
-          </a:stretch>
-        </p:blipFill>
-        <p:spPr>
-          <a:xfrm>
-            <a:off x="373856" y="2028825"/>
-            <a:ext cx="11444288" cy="3586163"/>
-          </a:xfrm>
-          <a:prstGeom prst="rect">
-            <a:avLst/>
-          </a:prstGeom>
-        </p:spPr>
-      </p:pic>
-      <p:sp>
-        <p:nvSpPr>
-          <p:cNvPr id="5" name="Rectangle 4"/>
-          <p:cNvSpPr/>
-          <p:nvPr/>
-        </p:nvSpPr>
-        <p:spPr>
-          <a:xfrm>
-            <a:off x="238125" y="4314825"/>
-            <a:ext cx="2355056" cy="328613"/>
-          </a:xfrm>
-          <a:prstGeom prst="rect">
-            <a:avLst/>
-          </a:prstGeom>
-          <a:noFill/>
-          <a:ln w="57150">
-            <a:solidFill>
-              <a:srgbClr val="7030A0"/>
-            </a:solidFill>
-          </a:ln>
-        </p:spPr>
-        <p:style>
-          <a:lnRef idx="2">
-            <a:schemeClr val="accent1">
-              <a:shade val="50000"/>
-            </a:schemeClr>
-          </a:lnRef>
-          <a:fillRef idx="1">
-            <a:schemeClr val="accent1"/>
-          </a:fillRef>
-          <a:effectRef idx="0">
-            <a:schemeClr val="accent1"/>
-          </a:effectRef>
-          <a:fontRef idx="minor">
-            <a:schemeClr val="lt1"/>
-          </a:fontRef>
-        </p:style>
-        <p:txBody>
-          <a:bodyPr rtlCol="0" anchor="ctr"/>
-          <a:lstStyle/>
-          <a:p>
-            <a:pPr algn="ctr"/>
-            <a:endParaRPr lang="en-US"/>
-          </a:p>
-        </p:txBody>
-      </p:sp>
-      <p:sp>
-        <p:nvSpPr>
-          <p:cNvPr id="6" name="TextBox 5"/>
-          <p:cNvSpPr txBox="1"/>
-          <p:nvPr/>
-        </p:nvSpPr>
-        <p:spPr>
-          <a:xfrm>
-            <a:off x="1096566" y="734109"/>
-            <a:ext cx="9998869" cy="646331"/>
-          </a:xfrm>
-          <a:prstGeom prst="rect">
-            <a:avLst/>
-          </a:prstGeom>
-          <a:solidFill>
-            <a:schemeClr val="accent4">
-              <a:lumMod val="20000"/>
-              <a:lumOff val="80000"/>
-            </a:schemeClr>
-          </a:solidFill>
-          <a:ln w="57150">
-            <a:solidFill>
-              <a:srgbClr val="7030A0"/>
-            </a:solidFill>
-          </a:ln>
-        </p:spPr>
-        <p:txBody>
-          <a:bodyPr wrap="square" rtlCol="0">
-            <a:spAutoFit/>
-          </a:bodyPr>
-          <a:lstStyle/>
-          <a:p>
-            <a:pPr algn="ctr"/>
-            <a:r>
-              <a:rPr lang="en-US" sz="3600" dirty="0" smtClean="0"/>
-              <a:t>Click “R Workshops by Melinda Higgins” Workspace</a:t>
-            </a:r>
+      <p:sp>
+        <p:nvSpPr>
+          <p:cNvPr id="2" name="Title 1"/>
+          <p:cNvSpPr>
+            <a:spLocks noGrp="1"/>
+          </p:cNvSpPr>
+          <p:nvPr>
+            <p:ph type="ctrTitle"/>
+          </p:nvPr>
+        </p:nvSpPr>
+        <p:spPr/>
+        <p:txBody>
+          <a:bodyPr/>
+          <a:lstStyle/>
+          <a:p>
+            <a:r>
+              <a:rPr lang="en-US" dirty="0" err="1" smtClean="0"/>
+              <a:t>RStudio.cloud</a:t>
+            </a:r>
+            <a:r>
+              <a:rPr lang="en-US" dirty="0" smtClean="0"/>
+              <a:t/>
+            </a:r>
+            <a:br>
+              <a:rPr lang="en-US" dirty="0" smtClean="0"/>
+            </a:br>
+            <a:r>
+              <a:rPr lang="en-US" dirty="0" smtClean="0"/>
+              <a:t>Workspace for NRSG Courses</a:t>
+            </a:r>
+            <a:endParaRPr lang="en-US" dirty="0"/>
+          </a:p>
+        </p:txBody>
+      </p:sp>
+      <p:sp>
+        <p:nvSpPr>
+          <p:cNvPr id="3" name="Subtitle 2"/>
+          <p:cNvSpPr>
+            <a:spLocks noGrp="1"/>
+          </p:cNvSpPr>
+          <p:nvPr>
+            <p:ph type="subTitle" idx="1"/>
+          </p:nvPr>
+        </p:nvSpPr>
+        <p:spPr/>
+        <p:txBody>
+          <a:bodyPr/>
+          <a:lstStyle/>
+          <a:p>
+            <a:r>
+              <a:rPr lang="en-US" dirty="0">
+                <a:hlinkClick r:id="rId2"/>
+              </a:rPr>
+              <a:t>https://</a:t>
+            </a:r>
+            <a:r>
+              <a:rPr lang="en-US" dirty="0" smtClean="0">
+                <a:hlinkClick r:id="rId2"/>
+              </a:rPr>
+              <a:t>rstudio.cloud/spaces/6704/join?access_code=bO8SHRY9WbMVzlO0DFDnJDUpgRNYdCla2Io5AiGk</a:t>
+            </a:r>
+            <a:r>
+              <a:rPr lang="en-US" dirty="0" smtClean="0"/>
+              <a:t> </a:t>
+            </a:r>
+            <a:endParaRPr lang="en-US" dirty="0"/>
           </a:p>
         </p:txBody>
       </p:sp>
     </p:spTree>
     <p:extLst>
       <p:ext uri="{BB962C8B-B14F-4D97-AF65-F5344CB8AC3E}">
-        <p14:creationId xmlns:p14="http://schemas.microsoft.com/office/powerpoint/2010/main" val="3264050560"/>
+        <p14:creationId xmlns:p14="http://schemas.microsoft.com/office/powerpoint/2010/main" val="622997066"/>
       </p:ext>
     </p:extLst>
   </p:cSld>
@@ -3114,30 +3079,51 @@
           <a:chExt cx="0" cy="0"/>
         </a:xfrm>
       </p:grpSpPr>
-      <p:pic>
-        <p:nvPicPr>
-          <p:cNvPr id="2" name="Picture 1"/>
-          <p:cNvPicPr>
-            <a:picLocks noChangeAspect="1"/>
-          </p:cNvPicPr>
+      <p:sp>
+        <p:nvSpPr>
+          <p:cNvPr id="3" name="TextBox 2"/>
+          <p:cNvSpPr txBox="1"/>
           <p:nvPr/>
-        </p:nvPicPr>
-        <p:blipFill>
-          <a:blip r:embed="rId2"/>
-          <a:stretch>
-            <a:fillRect/>
-          </a:stretch>
-        </p:blipFill>
+        </p:nvSpPr>
         <p:spPr>
           <a:xfrm>
-            <a:off x="5310187" y="1724025"/>
-            <a:ext cx="6186488" cy="3148013"/>
+            <a:off x="1096566" y="734109"/>
+            <a:ext cx="9998869" cy="646331"/>
           </a:xfrm>
           <a:prstGeom prst="rect">
             <a:avLst/>
           </a:prstGeom>
+          <a:solidFill>
+            <a:schemeClr val="accent4">
+              <a:lumMod val="20000"/>
+              <a:lumOff val="80000"/>
+            </a:schemeClr>
+          </a:solidFill>
+          <a:ln w="57150">
+            <a:solidFill>
+              <a:srgbClr val="7030A0"/>
+            </a:solidFill>
+          </a:ln>
         </p:spPr>
-      </p:pic>
+        <p:txBody>
+          <a:bodyPr wrap="square" rtlCol="0">
+            <a:spAutoFit/>
+          </a:bodyPr>
+          <a:lstStyle/>
+          <a:p>
+            <a:pPr algn="ctr"/>
+            <a:r>
+              <a:rPr lang="en-US" sz="3600" dirty="0" smtClean="0"/>
+              <a:t>Click </a:t>
+            </a:r>
+            <a:r>
+              <a:rPr lang="en-US" sz="3600" dirty="0" smtClean="0"/>
+              <a:t>“Workspace for NRSG Courses”</a:t>
+            </a:r>
+            <a:endParaRPr lang="en-US" sz="3600" dirty="0" smtClean="0"/>
+          </a:p>
+        </p:txBody>
+      </p:sp>
       <p:cxnSp>
         <p:nvCxnSpPr>
           <p:cNvPr id="4" name="Straight Arrow Connector 3"/>
@@ -3145,9 +3131,9 @@
           <p:nvPr/>
         </p:nvCxnSpPr>
         <p:spPr>
-          <a:xfrm>
-            <a:off x="4164806" y="4043363"/>
-            <a:ext cx="1700213" cy="0"/>
+          <a:xfrm flipV="1">
+            <a:off x="1743075" y="5243513"/>
+            <a:ext cx="2121694" cy="0"/>
           </a:xfrm>
           <a:prstGeom prst="straightConnector1">
             <a:avLst/>
@@ -3174,50 +3160,34 @@
           </a:fontRef>
         </p:style>
       </p:cxnSp>
-      <p:sp>
-        <p:nvSpPr>
-          <p:cNvPr id="5" name="TextBox 4"/>
-          <p:cNvSpPr txBox="1"/>
+      <p:pic>
+        <p:nvPicPr>
+          <p:cNvPr id="6" name="Picture 5"/>
+          <p:cNvPicPr>
+            <a:picLocks noChangeAspect="1"/>
+          </p:cNvPicPr>
           <p:nvPr/>
-        </p:nvSpPr>
+        </p:nvPicPr>
+        <p:blipFill>
+          <a:blip r:embed="rId2"/>
+          <a:stretch>
+            <a:fillRect/>
+          </a:stretch>
+        </p:blipFill>
         <p:spPr>
           <a:xfrm>
-            <a:off x="1110353" y="3720197"/>
-            <a:ext cx="2811565" cy="646331"/>
+            <a:off x="3976687" y="1523999"/>
+            <a:ext cx="5038725" cy="5153025"/>
           </a:xfrm>
           <a:prstGeom prst="rect">
             <a:avLst/>
           </a:prstGeom>
-          <a:solidFill>
-            <a:schemeClr val="accent4">
-              <a:lumMod val="20000"/>
-              <a:lumOff val="80000"/>
-            </a:schemeClr>
-          </a:solidFill>
-          <a:ln w="57150">
-            <a:solidFill>
-              <a:srgbClr val="7030A0"/>
-            </a:solidFill>
-          </a:ln>
         </p:spPr>
-        <p:txBody>
-          <a:bodyPr wrap="square" rtlCol="0">
-            <a:spAutoFit/>
-          </a:bodyPr>
-          <a:lstStyle/>
-          <a:p>
-            <a:r>
-              <a:rPr lang="en-US" sz="3600" dirty="0" smtClean="0"/>
-              <a:t>Click “START”</a:t>
-            </a:r>
-            <a:endParaRPr lang="en-US" sz="3600" dirty="0"/>
-          </a:p>
-        </p:txBody>
-      </p:sp>
+      </p:pic>
     </p:spTree>
     <p:extLst>
       <p:ext uri="{BB962C8B-B14F-4D97-AF65-F5344CB8AC3E}">
-        <p14:creationId xmlns:p14="http://schemas.microsoft.com/office/powerpoint/2010/main" val="3132871299"/>
+        <p14:creationId xmlns:p14="http://schemas.microsoft.com/office/powerpoint/2010/main" val="4016586338"/>
       </p:ext>
     </p:extLst>
   </p:cSld>
@@ -3251,40 +3221,16 @@
           <a:chExt cx="0" cy="0"/>
         </a:xfrm>
       </p:grpSpPr>
-      <p:pic>
-        <p:nvPicPr>
-          <p:cNvPr id="2" name="Picture 1"/>
-          <p:cNvPicPr>
-            <a:picLocks noChangeAspect="1"/>
-          </p:cNvPicPr>
+      <p:sp>
+        <p:nvSpPr>
+          <p:cNvPr id="5" name="TextBox 4"/>
+          <p:cNvSpPr txBox="1"/>
           <p:nvPr/>
-        </p:nvPicPr>
-        <p:blipFill>
-          <a:blip r:embed="rId2"/>
-          <a:stretch>
-            <a:fillRect/>
-          </a:stretch>
-        </p:blipFill>
+        </p:nvSpPr>
         <p:spPr>
           <a:xfrm>
-            <a:off x="3109912" y="2033587"/>
-            <a:ext cx="5972175" cy="2790825"/>
-          </a:xfrm>
-          <a:prstGeom prst="rect">
-            <a:avLst/>
-          </a:prstGeom>
-        </p:spPr>
-      </p:pic>
-      <p:sp>
-        <p:nvSpPr>
-          <p:cNvPr id="3" name="TextBox 2"/>
-          <p:cNvSpPr txBox="1"/>
-          <p:nvPr/>
-        </p:nvSpPr>
-        <p:spPr>
-          <a:xfrm>
-            <a:off x="3025723" y="945179"/>
-            <a:ext cx="6140552" cy="646331"/>
+            <a:off x="638865" y="748397"/>
+            <a:ext cx="2811565" cy="646331"/>
           </a:xfrm>
           <a:prstGeom prst="rect">
             <a:avLst/>
@@ -3309,16 +3255,76 @@
           <a:p>
             <a:r>
               <a:rPr lang="en-US" sz="3600" dirty="0" smtClean="0"/>
-              <a:t>Be patient, project deploying …</a:t>
+              <a:t>Click “START”</a:t>
             </a:r>
             <a:endParaRPr lang="en-US" sz="3600" dirty="0"/>
           </a:p>
         </p:txBody>
       </p:sp>
+      <p:pic>
+        <p:nvPicPr>
+          <p:cNvPr id="3" name="Picture 2"/>
+          <p:cNvPicPr>
+            <a:picLocks noChangeAspect="1"/>
+          </p:cNvPicPr>
+          <p:nvPr/>
+        </p:nvPicPr>
+        <p:blipFill>
+          <a:blip r:embed="rId2"/>
+          <a:stretch>
+            <a:fillRect/>
+          </a:stretch>
+        </p:blipFill>
+        <p:spPr>
+          <a:xfrm>
+            <a:off x="1357312" y="2728913"/>
+            <a:ext cx="10448925" cy="2771775"/>
+          </a:xfrm>
+          <a:prstGeom prst="rect">
+            <a:avLst/>
+          </a:prstGeom>
+        </p:spPr>
+      </p:pic>
+      <p:cxnSp>
+        <p:nvCxnSpPr>
+          <p:cNvPr id="4" name="Straight Arrow Connector 3"/>
+          <p:cNvCxnSpPr/>
+          <p:nvPr/>
+        </p:nvCxnSpPr>
+        <p:spPr>
+          <a:xfrm>
+            <a:off x="1935956" y="1628775"/>
+            <a:ext cx="664369" cy="1421606"/>
+          </a:xfrm>
+          <a:prstGeom prst="straightConnector1">
+            <a:avLst/>
+          </a:prstGeom>
+          <a:ln w="76200">
+            <a:solidFill>
+              <a:srgbClr val="7030A0"/>
+            </a:solidFill>
+            <a:tailEnd type="triangle"/>
+          </a:ln>
+        </p:spPr>
+        <p:style>
+          <a:lnRef idx="1">
+            <a:schemeClr val="accent1"/>
+          </a:lnRef>
+          <a:fillRef idx="0">
+            <a:schemeClr val="accent1"/>
+          </a:fillRef>
+          <a:effectRef idx="0">
+            <a:schemeClr val="accent1"/>
+          </a:effectRef>
+          <a:fontRef idx="minor">
+            <a:schemeClr val="tx1"/>
+          </a:fontRef>
+        </p:style>
+      </p:cxnSp>
     </p:spTree>
     <p:extLst>
       <p:ext uri="{BB962C8B-B14F-4D97-AF65-F5344CB8AC3E}">
-        <p14:creationId xmlns:p14="http://schemas.microsoft.com/office/powerpoint/2010/main" val="2821395929"/>
+        <p14:creationId xmlns:p14="http://schemas.microsoft.com/office/powerpoint/2010/main" val="3132871299"/>
       </p:ext>
     </p:extLst>
   </p:cSld>
@@ -3368,8 +3374,8 @@
         </p:blipFill>
         <p:spPr>
           <a:xfrm>
-            <a:off x="981075" y="138114"/>
-            <a:ext cx="10457886" cy="6634162"/>
+            <a:off x="3109912" y="2033587"/>
+            <a:ext cx="5972175" cy="2790825"/>
           </a:xfrm>
           <a:prstGeom prst="rect">
             <a:avLst/>
@@ -3378,13 +3384,114 @@
       </p:pic>
       <p:sp>
         <p:nvSpPr>
+          <p:cNvPr id="3" name="TextBox 2"/>
+          <p:cNvSpPr txBox="1"/>
+          <p:nvPr/>
+        </p:nvSpPr>
+        <p:spPr>
+          <a:xfrm>
+            <a:off x="3025723" y="945179"/>
+            <a:ext cx="6140552" cy="646331"/>
+          </a:xfrm>
+          <a:prstGeom prst="rect">
+            <a:avLst/>
+          </a:prstGeom>
+          <a:solidFill>
+            <a:schemeClr val="accent4">
+              <a:lumMod val="20000"/>
+              <a:lumOff val="80000"/>
+            </a:schemeClr>
+          </a:solidFill>
+          <a:ln w="57150">
+            <a:solidFill>
+              <a:srgbClr val="7030A0"/>
+            </a:solidFill>
+          </a:ln>
+        </p:spPr>
+        <p:txBody>
+          <a:bodyPr wrap="square" rtlCol="0">
+            <a:spAutoFit/>
+          </a:bodyPr>
+          <a:lstStyle/>
+          <a:p>
+            <a:r>
+              <a:rPr lang="en-US" sz="3600" dirty="0" smtClean="0"/>
+              <a:t>Be patient, project deploying …</a:t>
+            </a:r>
+            <a:endParaRPr lang="en-US" sz="3600" dirty="0"/>
+          </a:p>
+        </p:txBody>
+      </p:sp>
+    </p:spTree>
+    <p:extLst>
+      <p:ext uri="{BB962C8B-B14F-4D97-AF65-F5344CB8AC3E}">
+        <p14:creationId xmlns:p14="http://schemas.microsoft.com/office/powerpoint/2010/main" val="2821395929"/>
+      </p:ext>
+    </p:extLst>
+  </p:cSld>
+  <p:clrMapOvr>
+    <a:masterClrMapping/>
+  </p:clrMapOvr>
+  <p:timing>
+    <p:tnLst>
+      <p:par>
+        <p:cTn id="1" dur="indefinite" restart="never" nodeType="tmRoot"/>
+      </p:par>
+    </p:tnLst>
+  </p:timing>
+</p:sld>
+</file>
+
+<file path=ppt/slides/slide5.xml><?xml version="1.0" encoding="utf-8"?>
+<p:sld xmlns:a="http://schemas.openxmlformats.org/drawingml/2006/main" xmlns:r="http://schemas.openxmlformats.org/officeDocument/2006/relationships" xmlns:p="http://schemas.openxmlformats.org/presentationml/2006/main">
+  <p:cSld>
+    <p:spTree>
+      <p:nvGrpSpPr>
+        <p:cNvPr id="1" name=""/>
+        <p:cNvGrpSpPr/>
+        <p:nvPr/>
+      </p:nvGrpSpPr>
+      <p:grpSpPr>
+        <a:xfrm>
+          <a:off x="0" y="0"/>
+          <a:ext cx="0" cy="0"/>
+          <a:chOff x="0" y="0"/>
+          <a:chExt cx="0" cy="0"/>
+        </a:xfrm>
+      </p:grpSpPr>
+      <p:pic>
+        <p:nvPicPr>
+          <p:cNvPr id="3" name="Picture 2"/>
+          <p:cNvPicPr>
+            <a:picLocks noChangeAspect="1"/>
+          </p:cNvPicPr>
+          <p:nvPr/>
+        </p:nvPicPr>
+        <p:blipFill>
+          <a:blip r:embed="rId2"/>
+          <a:stretch>
+            <a:fillRect/>
+          </a:stretch>
+        </p:blipFill>
+        <p:spPr>
+          <a:xfrm>
+            <a:off x="119062" y="76200"/>
+            <a:ext cx="11946732" cy="6691752"/>
+          </a:xfrm>
+          <a:prstGeom prst="rect">
+            <a:avLst/>
+          </a:prstGeom>
+        </p:spPr>
+      </p:pic>
+      <p:sp>
+        <p:nvSpPr>
           <p:cNvPr id="4" name="TextBox 3"/>
           <p:cNvSpPr txBox="1"/>
           <p:nvPr/>
         </p:nvSpPr>
         <p:spPr>
           <a:xfrm>
-            <a:off x="1982736" y="2454891"/>
+            <a:off x="1654123" y="1883391"/>
             <a:ext cx="3679725" cy="1200329"/>
           </a:xfrm>
           <a:prstGeom prst="rect">
@@ -3430,7 +3537,7 @@
         </p:nvSpPr>
         <p:spPr>
           <a:xfrm>
-            <a:off x="1743768" y="4693266"/>
+            <a:off x="1257993" y="4478953"/>
             <a:ext cx="4157663" cy="1754326"/>
           </a:xfrm>
           <a:prstGeom prst="rect">
@@ -3470,7 +3577,7 @@
         </p:nvSpPr>
         <p:spPr>
           <a:xfrm>
-            <a:off x="7311129" y="2545379"/>
+            <a:off x="7468292" y="1973879"/>
             <a:ext cx="3554513" cy="646331"/>
           </a:xfrm>
           <a:prstGeom prst="rect">
@@ -3514,7 +3621,7 @@
         </p:nvSpPr>
         <p:spPr>
           <a:xfrm>
-            <a:off x="6987732" y="4778991"/>
+            <a:off x="7273482" y="4307504"/>
             <a:ext cx="4201305" cy="1200329"/>
           </a:xfrm>
           <a:prstGeom prst="rect">
